--- a/REST/REST_UDEMY_Section14_Implementation.pptx
+++ b/REST/REST_UDEMY_Section14_Implementation.pptx
@@ -17,6 +17,11 @@
     <p:sldId id="265" r:id="rId11"/>
     <p:sldId id="266" r:id="rId12"/>
     <p:sldId id="267" r:id="rId13"/>
+    <p:sldId id="268" r:id="rId14"/>
+    <p:sldId id="269" r:id="rId15"/>
+    <p:sldId id="270" r:id="rId16"/>
+    <p:sldId id="271" r:id="rId17"/>
+    <p:sldId id="272" r:id="rId18"/>
   </p:sldIdLst>
   <p:sldSz cx="9144000" cy="6858000" type="screen4x3"/>
   <p:notesSz cx="6858000" cy="9144000"/>
@@ -3092,11 +3097,7 @@
           <a:p>
             <a:r>
               <a:rPr lang="en-US" dirty="0" smtClean="0"/>
-              <a:t>REST Web Services </a:t>
-            </a:r>
-            <a:r>
-              <a:rPr lang="en-US" dirty="0" smtClean="0"/>
-              <a:t>Implementation</a:t>
+              <a:t>REST Web Services Implementation</a:t>
             </a:r>
             <a:endParaRPr lang="en-US" dirty="0"/>
           </a:p>
@@ -3798,6 +3799,950 @@
 </p:sld>
 </file>
 
+<file path=ppt/slides/slide13.xml><?xml version="1.0" encoding="utf-8"?>
+<p:sld xmlns:a="http://schemas.openxmlformats.org/drawingml/2006/main" xmlns:r="http://schemas.openxmlformats.org/officeDocument/2006/relationships" xmlns:p="http://schemas.openxmlformats.org/presentationml/2006/main">
+  <p:cSld>
+    <p:spTree>
+      <p:nvGrpSpPr>
+        <p:cNvPr id="1" name=""/>
+        <p:cNvGrpSpPr/>
+        <p:nvPr/>
+      </p:nvGrpSpPr>
+      <p:grpSpPr>
+        <a:xfrm>
+          <a:off x="0" y="0"/>
+          <a:ext cx="0" cy="0"/>
+          <a:chOff x="0" y="0"/>
+          <a:chExt cx="0" cy="0"/>
+        </a:xfrm>
+      </p:grpSpPr>
+      <p:sp>
+        <p:nvSpPr>
+          <p:cNvPr id="2" name="Title 1"/>
+          <p:cNvSpPr>
+            <a:spLocks noGrp="1"/>
+          </p:cNvSpPr>
+          <p:nvPr>
+            <p:ph type="title"/>
+          </p:nvPr>
+        </p:nvSpPr>
+        <p:spPr>
+          <a:xfrm>
+            <a:off x="0" y="0"/>
+            <a:ext cx="9144000" cy="762000"/>
+          </a:xfrm>
+        </p:spPr>
+        <p:txBody>
+          <a:bodyPr/>
+          <a:lstStyle/>
+          <a:p>
+            <a:r>
+              <a:rPr lang="en-US" dirty="0" smtClean="0"/>
+              <a:t>Project</a:t>
+            </a:r>
+            <a:endParaRPr lang="en-US" dirty="0"/>
+          </a:p>
+        </p:txBody>
+      </p:sp>
+      <p:sp>
+        <p:nvSpPr>
+          <p:cNvPr id="3" name="Content Placeholder 2"/>
+          <p:cNvSpPr>
+            <a:spLocks noGrp="1"/>
+          </p:cNvSpPr>
+          <p:nvPr>
+            <p:ph idx="1"/>
+          </p:nvPr>
+        </p:nvSpPr>
+        <p:spPr>
+          <a:xfrm>
+            <a:off x="228600" y="762000"/>
+            <a:ext cx="8915400" cy="6096000"/>
+          </a:xfrm>
+        </p:spPr>
+        <p:txBody>
+          <a:bodyPr>
+            <a:normAutofit fontScale="92500" lnSpcReduction="20000"/>
+          </a:bodyPr>
+          <a:lstStyle/>
+          <a:p>
+            <a:r>
+              <a:rPr lang="en-US" dirty="0" smtClean="0"/>
+              <a:t>4 Steps: patient restful web service</a:t>
+            </a:r>
+            <a:endParaRPr lang="en-US" dirty="0"/>
+          </a:p>
+          <a:p>
+            <a:pPr marL="971550" lvl="1" indent="-514350">
+              <a:buFont typeface="+mj-lt"/>
+              <a:buAutoNum type="arabicPeriod"/>
+            </a:pPr>
+            <a:r>
+              <a:rPr lang="en-US" dirty="0" smtClean="0"/>
+              <a:t>Implement methods on the restful resources &amp; Create Java beans</a:t>
+            </a:r>
+          </a:p>
+          <a:p>
+            <a:pPr marL="971550" lvl="1" indent="-514350">
+              <a:buFont typeface="+mj-lt"/>
+              <a:buAutoNum type="arabicPeriod"/>
+            </a:pPr>
+            <a:r>
+              <a:rPr lang="en-US" dirty="0" smtClean="0"/>
+              <a:t>Annotate restful resources with the JAX-RS annotations</a:t>
+            </a:r>
+          </a:p>
+          <a:p>
+            <a:pPr marL="971550" lvl="1" indent="-514350">
+              <a:buFont typeface="+mj-lt"/>
+              <a:buAutoNum type="arabicPeriod"/>
+            </a:pPr>
+            <a:r>
+              <a:rPr lang="en-US" dirty="0" smtClean="0"/>
+              <a:t>Annotate the Java Beans with JAXB Annotations</a:t>
+            </a:r>
+          </a:p>
+          <a:p>
+            <a:pPr marL="971550" lvl="1" indent="-514350">
+              <a:buFont typeface="+mj-lt"/>
+              <a:buAutoNum type="arabicPeriod"/>
+            </a:pPr>
+            <a:r>
+              <a:rPr lang="en-US" dirty="0" smtClean="0"/>
+              <a:t>Publish the restful resources in the cxf-servlet.xml</a:t>
+            </a:r>
+          </a:p>
+          <a:p>
+            <a:r>
+              <a:rPr lang="en-US" dirty="0" smtClean="0"/>
+              <a:t>We will have 3 simple java beans –</a:t>
+            </a:r>
+          </a:p>
+          <a:p>
+            <a:pPr lvl="1"/>
+            <a:r>
+              <a:rPr lang="en-US" dirty="0" smtClean="0"/>
+              <a:t>Medicine.java</a:t>
+            </a:r>
+          </a:p>
+          <a:p>
+            <a:pPr lvl="1"/>
+            <a:r>
+              <a:rPr lang="en-US" dirty="0" smtClean="0"/>
+              <a:t>Patient.java</a:t>
+            </a:r>
+          </a:p>
+          <a:p>
+            <a:pPr lvl="1"/>
+            <a:r>
+              <a:rPr lang="en-US" dirty="0" smtClean="0"/>
+              <a:t>Prescription.java</a:t>
+            </a:r>
+          </a:p>
+          <a:p>
+            <a:r>
+              <a:rPr lang="en-US" dirty="0" smtClean="0"/>
+              <a:t>One service – our restful resources are</a:t>
+            </a:r>
+          </a:p>
+          <a:p>
+            <a:pPr lvl="1"/>
+            <a:r>
+              <a:rPr lang="en-US" dirty="0" smtClean="0"/>
+              <a:t>PatientService.java – </a:t>
+            </a:r>
+            <a:r>
+              <a:rPr lang="en-US" b="1" dirty="0" smtClean="0"/>
+              <a:t>interface with 5 methods</a:t>
+            </a:r>
+            <a:endParaRPr lang="en-US" dirty="0" smtClean="0"/>
+          </a:p>
+          <a:p>
+            <a:pPr lvl="1"/>
+            <a:r>
+              <a:rPr lang="en-US" dirty="0" smtClean="0"/>
+              <a:t>PatientServiceImpl.java is the skeleton class. We will implement one method at a time in this </a:t>
+            </a:r>
+            <a:r>
+              <a:rPr lang="en-US" dirty="0" err="1" smtClean="0"/>
+              <a:t>Impl</a:t>
+            </a:r>
+            <a:r>
+              <a:rPr lang="en-US" dirty="0" smtClean="0"/>
+              <a:t>.</a:t>
+            </a:r>
+            <a:endParaRPr lang="en-US" dirty="0" smtClean="0"/>
+          </a:p>
+        </p:txBody>
+      </p:sp>
+    </p:spTree>
+    <p:extLst>
+      <p:ext uri="{BB962C8B-B14F-4D97-AF65-F5344CB8AC3E}">
+        <p14:creationId xmlns:p14="http://schemas.microsoft.com/office/powerpoint/2010/main" val="506221686"/>
+      </p:ext>
+    </p:extLst>
+  </p:cSld>
+  <p:clrMapOvr>
+    <a:masterClrMapping/>
+  </p:clrMapOvr>
+</p:sld>
+</file>
+
+<file path=ppt/slides/slide14.xml><?xml version="1.0" encoding="utf-8"?>
+<p:sld xmlns:a="http://schemas.openxmlformats.org/drawingml/2006/main" xmlns:r="http://schemas.openxmlformats.org/officeDocument/2006/relationships" xmlns:p="http://schemas.openxmlformats.org/presentationml/2006/main">
+  <p:cSld>
+    <p:spTree>
+      <p:nvGrpSpPr>
+        <p:cNvPr id="1" name=""/>
+        <p:cNvGrpSpPr/>
+        <p:nvPr/>
+      </p:nvGrpSpPr>
+      <p:grpSpPr>
+        <a:xfrm>
+          <a:off x="0" y="0"/>
+          <a:ext cx="0" cy="0"/>
+          <a:chOff x="0" y="0"/>
+          <a:chExt cx="0" cy="0"/>
+        </a:xfrm>
+      </p:grpSpPr>
+      <p:sp>
+        <p:nvSpPr>
+          <p:cNvPr id="2" name="Title 1"/>
+          <p:cNvSpPr>
+            <a:spLocks noGrp="1"/>
+          </p:cNvSpPr>
+          <p:nvPr>
+            <p:ph type="title"/>
+          </p:nvPr>
+        </p:nvSpPr>
+        <p:spPr>
+          <a:xfrm>
+            <a:off x="0" y="0"/>
+            <a:ext cx="9144000" cy="762000"/>
+          </a:xfrm>
+        </p:spPr>
+        <p:txBody>
+          <a:bodyPr/>
+          <a:lstStyle/>
+          <a:p>
+            <a:r>
+              <a:rPr lang="en-US" dirty="0" smtClean="0"/>
+              <a:t>Project</a:t>
+            </a:r>
+            <a:endParaRPr lang="en-US" dirty="0"/>
+          </a:p>
+        </p:txBody>
+      </p:sp>
+      <p:sp>
+        <p:nvSpPr>
+          <p:cNvPr id="3" name="Content Placeholder 2"/>
+          <p:cNvSpPr>
+            <a:spLocks noGrp="1"/>
+          </p:cNvSpPr>
+          <p:nvPr>
+            <p:ph idx="1"/>
+          </p:nvPr>
+        </p:nvSpPr>
+        <p:spPr>
+          <a:xfrm>
+            <a:off x="228600" y="762000"/>
+            <a:ext cx="8915400" cy="6096000"/>
+          </a:xfrm>
+        </p:spPr>
+        <p:txBody>
+          <a:bodyPr>
+            <a:normAutofit fontScale="92500" lnSpcReduction="10000"/>
+          </a:bodyPr>
+          <a:lstStyle/>
+          <a:p>
+            <a:r>
+              <a:rPr lang="en-US" dirty="0" err="1" smtClean="0"/>
+              <a:t>PatientServiceImpl</a:t>
+            </a:r>
+            <a:endParaRPr lang="en-US" dirty="0" smtClean="0"/>
+          </a:p>
+          <a:p>
+            <a:pPr lvl="1"/>
+            <a:r>
+              <a:rPr lang="en-US" dirty="0" err="1" smtClean="0"/>
+              <a:t>addPatient</a:t>
+            </a:r>
+            <a:endParaRPr lang="en-US" dirty="0" smtClean="0"/>
+          </a:p>
+          <a:p>
+            <a:pPr lvl="2"/>
+            <a:r>
+              <a:rPr lang="en-US" dirty="0" err="1"/>
+              <a:t>patients.put</a:t>
+            </a:r>
+            <a:r>
+              <a:rPr lang="en-US" dirty="0"/>
+              <a:t>(</a:t>
+            </a:r>
+            <a:r>
+              <a:rPr lang="en-US" dirty="0" err="1"/>
+              <a:t>patient.getId</a:t>
+            </a:r>
+            <a:r>
+              <a:rPr lang="en-US" dirty="0"/>
+              <a:t>(), patient</a:t>
+            </a:r>
+            <a:r>
+              <a:rPr lang="en-US" dirty="0" smtClean="0"/>
+              <a:t>); add it to map</a:t>
+            </a:r>
+            <a:endParaRPr lang="en-US" dirty="0"/>
+          </a:p>
+          <a:p>
+            <a:pPr lvl="2"/>
+            <a:r>
+              <a:rPr lang="en-US" b="1" dirty="0"/>
+              <a:t>return </a:t>
+            </a:r>
+            <a:r>
+              <a:rPr lang="en-US" b="1" dirty="0" err="1"/>
+              <a:t>Response.</a:t>
+            </a:r>
+            <a:r>
+              <a:rPr lang="en-US" b="1" i="1" dirty="0" err="1"/>
+              <a:t>ok</a:t>
+            </a:r>
+            <a:r>
+              <a:rPr lang="en-US" b="1" i="1" dirty="0"/>
+              <a:t>(patient).build</a:t>
+            </a:r>
+            <a:r>
+              <a:rPr lang="en-US" b="1" i="1" dirty="0" smtClean="0"/>
+              <a:t>(); response and build</a:t>
+            </a:r>
+          </a:p>
+          <a:p>
+            <a:pPr lvl="1"/>
+            <a:r>
+              <a:rPr lang="en-US" dirty="0" err="1" smtClean="0"/>
+              <a:t>getPatient</a:t>
+            </a:r>
+            <a:endParaRPr lang="en-US" dirty="0" smtClean="0"/>
+          </a:p>
+          <a:p>
+            <a:pPr lvl="2"/>
+            <a:r>
+              <a:rPr lang="en-US" dirty="0"/>
+              <a:t>Patient </a:t>
+            </a:r>
+            <a:r>
+              <a:rPr lang="en-US" dirty="0" err="1"/>
+              <a:t>patient</a:t>
+            </a:r>
+            <a:r>
+              <a:rPr lang="en-US" dirty="0"/>
+              <a:t> = </a:t>
+            </a:r>
+            <a:r>
+              <a:rPr lang="en-US" dirty="0" err="1"/>
+              <a:t>patients.get</a:t>
+            </a:r>
+            <a:r>
+              <a:rPr lang="en-US" dirty="0"/>
+              <a:t>(</a:t>
+            </a:r>
+            <a:r>
+              <a:rPr lang="en-US" dirty="0" err="1"/>
+              <a:t>patientId</a:t>
+            </a:r>
+            <a:r>
+              <a:rPr lang="en-US" dirty="0"/>
+              <a:t>);</a:t>
+            </a:r>
+          </a:p>
+          <a:p>
+            <a:pPr lvl="2"/>
+            <a:r>
+              <a:rPr lang="en-US" b="1" dirty="0"/>
+              <a:t>return patient</a:t>
+            </a:r>
+            <a:r>
+              <a:rPr lang="en-US" b="1" dirty="0" smtClean="0"/>
+              <a:t>; this patient is serialized at run time into xml or json at run time.</a:t>
+            </a:r>
+          </a:p>
+          <a:p>
+            <a:pPr lvl="1"/>
+            <a:r>
+              <a:rPr lang="en-US" dirty="0" err="1" smtClean="0"/>
+              <a:t>updatePatient</a:t>
+            </a:r>
+            <a:endParaRPr lang="en-US" dirty="0" smtClean="0"/>
+          </a:p>
+          <a:p>
+            <a:pPr lvl="2"/>
+            <a:r>
+              <a:rPr lang="en-US" dirty="0" err="1" smtClean="0"/>
+              <a:t>Response.</a:t>
+            </a:r>
+            <a:r>
+              <a:rPr lang="en-US" i="1" dirty="0" err="1" smtClean="0"/>
+              <a:t>notModified</a:t>
+            </a:r>
+            <a:r>
+              <a:rPr lang="en-US" i="1" dirty="0"/>
+              <a:t>().build</a:t>
+            </a:r>
+            <a:r>
+              <a:rPr lang="en-US" i="1" dirty="0" smtClean="0"/>
+              <a:t>(); if there is no patient</a:t>
+            </a:r>
+          </a:p>
+          <a:p>
+            <a:pPr lvl="1"/>
+            <a:r>
+              <a:rPr lang="en-US" i="1" dirty="0" err="1" smtClean="0"/>
+              <a:t>DeletePatinet</a:t>
+            </a:r>
+            <a:endParaRPr lang="en-US" i="1" dirty="0" smtClean="0"/>
+          </a:p>
+          <a:p>
+            <a:pPr lvl="2"/>
+            <a:r>
+              <a:rPr lang="en-US" i="1" dirty="0" smtClean="0"/>
+              <a:t>Similar to update</a:t>
+            </a:r>
+          </a:p>
+          <a:p>
+            <a:r>
+              <a:rPr lang="en-US" i="1" dirty="0" smtClean="0"/>
+              <a:t>Now in the next section we map resource methods to HTTP URI methods.</a:t>
+            </a:r>
+          </a:p>
+          <a:p>
+            <a:pPr lvl="2"/>
+            <a:endParaRPr lang="en-US" dirty="0" smtClean="0"/>
+          </a:p>
+        </p:txBody>
+      </p:sp>
+    </p:spTree>
+    <p:extLst>
+      <p:ext uri="{BB962C8B-B14F-4D97-AF65-F5344CB8AC3E}">
+        <p14:creationId xmlns:p14="http://schemas.microsoft.com/office/powerpoint/2010/main" val="3058243093"/>
+      </p:ext>
+    </p:extLst>
+  </p:cSld>
+  <p:clrMapOvr>
+    <a:masterClrMapping/>
+  </p:clrMapOvr>
+</p:sld>
+</file>
+
+<file path=ppt/slides/slide15.xml><?xml version="1.0" encoding="utf-8"?>
+<p:sld xmlns:a="http://schemas.openxmlformats.org/drawingml/2006/main" xmlns:r="http://schemas.openxmlformats.org/officeDocument/2006/relationships" xmlns:p="http://schemas.openxmlformats.org/presentationml/2006/main">
+  <p:cSld>
+    <p:spTree>
+      <p:nvGrpSpPr>
+        <p:cNvPr id="1" name=""/>
+        <p:cNvGrpSpPr/>
+        <p:nvPr/>
+      </p:nvGrpSpPr>
+      <p:grpSpPr>
+        <a:xfrm>
+          <a:off x="0" y="0"/>
+          <a:ext cx="0" cy="0"/>
+          <a:chOff x="0" y="0"/>
+          <a:chExt cx="0" cy="0"/>
+        </a:xfrm>
+      </p:grpSpPr>
+      <p:sp>
+        <p:nvSpPr>
+          <p:cNvPr id="2" name="Title 1"/>
+          <p:cNvSpPr>
+            <a:spLocks noGrp="1"/>
+          </p:cNvSpPr>
+          <p:nvPr>
+            <p:ph type="title"/>
+          </p:nvPr>
+        </p:nvSpPr>
+        <p:spPr>
+          <a:xfrm>
+            <a:off x="0" y="0"/>
+            <a:ext cx="9144000" cy="762000"/>
+          </a:xfrm>
+        </p:spPr>
+        <p:txBody>
+          <a:bodyPr/>
+          <a:lstStyle/>
+          <a:p>
+            <a:r>
+              <a:rPr lang="en-US" dirty="0" smtClean="0"/>
+              <a:t>Project</a:t>
+            </a:r>
+            <a:endParaRPr lang="en-US" dirty="0"/>
+          </a:p>
+        </p:txBody>
+      </p:sp>
+      <p:sp>
+        <p:nvSpPr>
+          <p:cNvPr id="3" name="Content Placeholder 2"/>
+          <p:cNvSpPr>
+            <a:spLocks noGrp="1"/>
+          </p:cNvSpPr>
+          <p:nvPr>
+            <p:ph idx="1"/>
+          </p:nvPr>
+        </p:nvSpPr>
+        <p:spPr>
+          <a:xfrm>
+            <a:off x="228600" y="762000"/>
+            <a:ext cx="8915400" cy="6096000"/>
+          </a:xfrm>
+        </p:spPr>
+        <p:txBody>
+          <a:bodyPr>
+            <a:normAutofit lnSpcReduction="10000"/>
+          </a:bodyPr>
+          <a:lstStyle/>
+          <a:p>
+            <a:r>
+              <a:rPr lang="en-US" dirty="0" smtClean="0"/>
+              <a:t>Mapping HTTP Methods.</a:t>
+            </a:r>
+          </a:p>
+          <a:p>
+            <a:pPr lvl="1"/>
+            <a:r>
+              <a:rPr lang="en-US" dirty="0" smtClean="0"/>
+              <a:t>We can map either on the </a:t>
+            </a:r>
+            <a:r>
+              <a:rPr lang="en-US" dirty="0" err="1" smtClean="0"/>
+              <a:t>impl</a:t>
+            </a:r>
+            <a:r>
+              <a:rPr lang="en-US" dirty="0" smtClean="0"/>
+              <a:t> class or we can do it on the interface.</a:t>
+            </a:r>
+          </a:p>
+          <a:p>
+            <a:pPr lvl="1"/>
+            <a:r>
+              <a:rPr lang="en-US" dirty="0" smtClean="0"/>
+              <a:t>CFX supports both interface and implementation annotations.</a:t>
+            </a:r>
+          </a:p>
+          <a:p>
+            <a:pPr lvl="1"/>
+            <a:r>
+              <a:rPr lang="en-US" dirty="0" smtClean="0"/>
+              <a:t>Lets keep </a:t>
+            </a:r>
+            <a:r>
+              <a:rPr lang="en-US" dirty="0" err="1" smtClean="0"/>
+              <a:t>impl</a:t>
+            </a:r>
+            <a:r>
+              <a:rPr lang="en-US" dirty="0" smtClean="0"/>
+              <a:t> clean, and map in interface.</a:t>
+            </a:r>
+          </a:p>
+          <a:p>
+            <a:pPr lvl="2"/>
+            <a:r>
+              <a:rPr lang="en-US" dirty="0" smtClean="0"/>
+              <a:t>@GET on </a:t>
+            </a:r>
+            <a:r>
+              <a:rPr lang="en-US" dirty="0" err="1" smtClean="0"/>
+              <a:t>getPatient</a:t>
+            </a:r>
+            <a:r>
+              <a:rPr lang="en-US" dirty="0" smtClean="0"/>
+              <a:t> in the interface and so on.</a:t>
+            </a:r>
+          </a:p>
+          <a:p>
+            <a:pPr lvl="2"/>
+            <a:r>
+              <a:rPr lang="en-US" dirty="0" smtClean="0"/>
+              <a:t>@Path for </a:t>
+            </a:r>
+            <a:r>
+              <a:rPr lang="en-US" dirty="0" err="1" smtClean="0"/>
+              <a:t>resouce</a:t>
+            </a:r>
+            <a:r>
+              <a:rPr lang="en-US" dirty="0" smtClean="0"/>
+              <a:t> mapping</a:t>
+            </a:r>
+          </a:p>
+          <a:p>
+            <a:pPr lvl="2"/>
+            <a:r>
+              <a:rPr lang="en-US" dirty="0" smtClean="0"/>
+              <a:t>@</a:t>
+            </a:r>
+            <a:r>
+              <a:rPr lang="en-US" dirty="0" err="1" smtClean="0"/>
+              <a:t>PathParam</a:t>
+            </a:r>
+            <a:r>
+              <a:rPr lang="en-US" dirty="0" smtClean="0"/>
+              <a:t> to inject ID from request into the methods</a:t>
+            </a:r>
+          </a:p>
+          <a:p>
+            <a:pPr lvl="1"/>
+            <a:r>
+              <a:rPr lang="en-US" dirty="0" smtClean="0"/>
+              <a:t>We are all set now with the JAX-RS annotations</a:t>
+            </a:r>
+          </a:p>
+          <a:p>
+            <a:pPr lvl="1"/>
+            <a:r>
+              <a:rPr lang="en-US" b="1" dirty="0" smtClean="0"/>
+              <a:t>Javax.ws.rs.*</a:t>
+            </a:r>
+          </a:p>
+          <a:p>
+            <a:r>
+              <a:rPr lang="en-US" dirty="0" smtClean="0"/>
+              <a:t>Next section @Produces to tell what kind of format does the restful service supports?</a:t>
+            </a:r>
+          </a:p>
+        </p:txBody>
+      </p:sp>
+    </p:spTree>
+    <p:extLst>
+      <p:ext uri="{BB962C8B-B14F-4D97-AF65-F5344CB8AC3E}">
+        <p14:creationId xmlns:p14="http://schemas.microsoft.com/office/powerpoint/2010/main" val="3427644166"/>
+      </p:ext>
+    </p:extLst>
+  </p:cSld>
+  <p:clrMapOvr>
+    <a:masterClrMapping/>
+  </p:clrMapOvr>
+</p:sld>
+</file>
+
+<file path=ppt/slides/slide16.xml><?xml version="1.0" encoding="utf-8"?>
+<p:sld xmlns:a="http://schemas.openxmlformats.org/drawingml/2006/main" xmlns:r="http://schemas.openxmlformats.org/officeDocument/2006/relationships" xmlns:p="http://schemas.openxmlformats.org/presentationml/2006/main">
+  <p:cSld>
+    <p:spTree>
+      <p:nvGrpSpPr>
+        <p:cNvPr id="1" name=""/>
+        <p:cNvGrpSpPr/>
+        <p:nvPr/>
+      </p:nvGrpSpPr>
+      <p:grpSpPr>
+        <a:xfrm>
+          <a:off x="0" y="0"/>
+          <a:ext cx="0" cy="0"/>
+          <a:chOff x="0" y="0"/>
+          <a:chExt cx="0" cy="0"/>
+        </a:xfrm>
+      </p:grpSpPr>
+      <p:sp>
+        <p:nvSpPr>
+          <p:cNvPr id="2" name="Title 1"/>
+          <p:cNvSpPr>
+            <a:spLocks noGrp="1"/>
+          </p:cNvSpPr>
+          <p:nvPr>
+            <p:ph type="title"/>
+          </p:nvPr>
+        </p:nvSpPr>
+        <p:spPr>
+          <a:xfrm>
+            <a:off x="0" y="0"/>
+            <a:ext cx="9144000" cy="762000"/>
+          </a:xfrm>
+        </p:spPr>
+        <p:txBody>
+          <a:bodyPr/>
+          <a:lstStyle/>
+          <a:p>
+            <a:r>
+              <a:rPr lang="en-US" dirty="0" smtClean="0"/>
+              <a:t>Project</a:t>
+            </a:r>
+            <a:endParaRPr lang="en-US" dirty="0"/>
+          </a:p>
+        </p:txBody>
+      </p:sp>
+      <p:sp>
+        <p:nvSpPr>
+          <p:cNvPr id="3" name="Content Placeholder 2"/>
+          <p:cNvSpPr>
+            <a:spLocks noGrp="1"/>
+          </p:cNvSpPr>
+          <p:nvPr>
+            <p:ph idx="1"/>
+          </p:nvPr>
+        </p:nvSpPr>
+        <p:spPr>
+          <a:xfrm>
+            <a:off x="228600" y="762000"/>
+            <a:ext cx="8915400" cy="6096000"/>
+          </a:xfrm>
+        </p:spPr>
+        <p:txBody>
+          <a:bodyPr>
+            <a:normAutofit/>
+          </a:bodyPr>
+          <a:lstStyle/>
+          <a:p>
+            <a:r>
+              <a:rPr lang="en-US" dirty="0" smtClean="0"/>
+              <a:t>We will mark java beans, </a:t>
+            </a:r>
+            <a:r>
+              <a:rPr lang="en-US" dirty="0" err="1" smtClean="0"/>
+              <a:t>med,pat,pres</a:t>
+            </a:r>
+            <a:r>
+              <a:rPr lang="en-US" dirty="0" smtClean="0"/>
+              <a:t> with </a:t>
+            </a:r>
+            <a:r>
+              <a:rPr lang="en-US" b="1" dirty="0" smtClean="0"/>
+              <a:t>JAXB</a:t>
+            </a:r>
+            <a:r>
+              <a:rPr lang="en-US" dirty="0" smtClean="0"/>
+              <a:t> annotations so that that they can be serialized into </a:t>
+            </a:r>
+            <a:r>
+              <a:rPr lang="en-US" dirty="0" smtClean="0"/>
+              <a:t>XML or JSON </a:t>
+            </a:r>
+            <a:r>
+              <a:rPr lang="en-US" dirty="0" smtClean="0"/>
+              <a:t>at runtime and also from </a:t>
+            </a:r>
+            <a:r>
+              <a:rPr lang="en-US" dirty="0" err="1" smtClean="0"/>
+              <a:t>from</a:t>
+            </a:r>
+            <a:r>
+              <a:rPr lang="en-US" dirty="0" smtClean="0"/>
+              <a:t> XML and JSON into java objects by apache CXF.</a:t>
+            </a:r>
+          </a:p>
+          <a:p>
+            <a:pPr lvl="1"/>
+            <a:r>
+              <a:rPr lang="en-US" dirty="0" smtClean="0"/>
+              <a:t>Patients - @</a:t>
+            </a:r>
+            <a:r>
+              <a:rPr lang="en-US" dirty="0" err="1" smtClean="0"/>
+              <a:t>XMLRootElement</a:t>
+            </a:r>
+            <a:r>
+              <a:rPr lang="en-US" dirty="0" smtClean="0"/>
+              <a:t>(name=“Patient”)</a:t>
+            </a:r>
+          </a:p>
+          <a:p>
+            <a:pPr lvl="2"/>
+            <a:r>
+              <a:rPr lang="en-US" dirty="0" smtClean="0"/>
+              <a:t>Here we ar</a:t>
+            </a:r>
+            <a:r>
+              <a:rPr lang="en-US" dirty="0" smtClean="0"/>
+              <a:t>e not doing any field level annotations, but ur welcome to do that. Instead of id, you can make this as </a:t>
+            </a:r>
+            <a:r>
+              <a:rPr lang="en-US" dirty="0" err="1" smtClean="0"/>
+              <a:t>patientID</a:t>
+            </a:r>
+            <a:r>
+              <a:rPr lang="en-US" dirty="0" smtClean="0"/>
+              <a:t> etc..</a:t>
+            </a:r>
+          </a:p>
+          <a:p>
+            <a:pPr lvl="1"/>
+            <a:r>
+              <a:rPr lang="en-US" dirty="0" smtClean="0"/>
+              <a:t>Similarly in med and </a:t>
+            </a:r>
+            <a:r>
+              <a:rPr lang="en-US" dirty="0" err="1" smtClean="0"/>
+              <a:t>presc</a:t>
+            </a:r>
+            <a:endParaRPr lang="en-US" dirty="0" smtClean="0"/>
+          </a:p>
+          <a:p>
+            <a:pPr lvl="1"/>
+            <a:r>
+              <a:rPr lang="en-US" dirty="0" smtClean="0"/>
+              <a:t>We have mapped the ROOT element.</a:t>
+            </a:r>
+          </a:p>
+          <a:p>
+            <a:r>
+              <a:rPr lang="en-US" dirty="0" smtClean="0"/>
+              <a:t>Next section service to support data types</a:t>
+            </a:r>
+          </a:p>
+        </p:txBody>
+      </p:sp>
+    </p:spTree>
+    <p:extLst>
+      <p:ext uri="{BB962C8B-B14F-4D97-AF65-F5344CB8AC3E}">
+        <p14:creationId xmlns:p14="http://schemas.microsoft.com/office/powerpoint/2010/main" val="1065180232"/>
+      </p:ext>
+    </p:extLst>
+  </p:cSld>
+  <p:clrMapOvr>
+    <a:masterClrMapping/>
+  </p:clrMapOvr>
+</p:sld>
+</file>
+
+<file path=ppt/slides/slide17.xml><?xml version="1.0" encoding="utf-8"?>
+<p:sld xmlns:a="http://schemas.openxmlformats.org/drawingml/2006/main" xmlns:r="http://schemas.openxmlformats.org/officeDocument/2006/relationships" xmlns:p="http://schemas.openxmlformats.org/presentationml/2006/main">
+  <p:cSld>
+    <p:spTree>
+      <p:nvGrpSpPr>
+        <p:cNvPr id="1" name=""/>
+        <p:cNvGrpSpPr/>
+        <p:nvPr/>
+      </p:nvGrpSpPr>
+      <p:grpSpPr>
+        <a:xfrm>
+          <a:off x="0" y="0"/>
+          <a:ext cx="0" cy="0"/>
+          <a:chOff x="0" y="0"/>
+          <a:chExt cx="0" cy="0"/>
+        </a:xfrm>
+      </p:grpSpPr>
+      <p:sp>
+        <p:nvSpPr>
+          <p:cNvPr id="2" name="Title 1"/>
+          <p:cNvSpPr>
+            <a:spLocks noGrp="1"/>
+          </p:cNvSpPr>
+          <p:nvPr>
+            <p:ph type="title"/>
+          </p:nvPr>
+        </p:nvSpPr>
+        <p:spPr>
+          <a:xfrm>
+            <a:off x="0" y="0"/>
+            <a:ext cx="9144000" cy="762000"/>
+          </a:xfrm>
+        </p:spPr>
+        <p:txBody>
+          <a:bodyPr/>
+          <a:lstStyle/>
+          <a:p>
+            <a:r>
+              <a:rPr lang="en-US" dirty="0" smtClean="0"/>
+              <a:t>Project</a:t>
+            </a:r>
+            <a:endParaRPr lang="en-US" dirty="0"/>
+          </a:p>
+        </p:txBody>
+      </p:sp>
+      <p:sp>
+        <p:nvSpPr>
+          <p:cNvPr id="3" name="Content Placeholder 2"/>
+          <p:cNvSpPr>
+            <a:spLocks noGrp="1"/>
+          </p:cNvSpPr>
+          <p:nvPr>
+            <p:ph idx="1"/>
+          </p:nvPr>
+        </p:nvSpPr>
+        <p:spPr>
+          <a:xfrm>
+            <a:off x="228600" y="762000"/>
+            <a:ext cx="8915400" cy="6096000"/>
+          </a:xfrm>
+        </p:spPr>
+        <p:txBody>
+          <a:bodyPr>
+            <a:normAutofit/>
+          </a:bodyPr>
+          <a:lstStyle/>
+          <a:p>
+            <a:r>
+              <a:rPr lang="en-US" dirty="0" smtClean="0"/>
+              <a:t>Mark the </a:t>
+            </a:r>
+            <a:r>
+              <a:rPr lang="en-US" dirty="0" err="1" smtClean="0"/>
+              <a:t>PatientService</a:t>
+            </a:r>
+            <a:r>
+              <a:rPr lang="en-US" dirty="0" smtClean="0"/>
+              <a:t> to support multiple data types. XML and JSON</a:t>
+            </a:r>
+          </a:p>
+          <a:p>
+            <a:r>
+              <a:rPr lang="en-US" dirty="0" smtClean="0"/>
+              <a:t>We use @Produces({“application/</a:t>
+            </a:r>
+            <a:r>
+              <a:rPr lang="en-US" dirty="0" err="1" smtClean="0"/>
+              <a:t>xml”,”application</a:t>
+            </a:r>
+            <a:r>
+              <a:rPr lang="en-US" dirty="0" smtClean="0"/>
+              <a:t>/json”})</a:t>
+            </a:r>
+          </a:p>
+          <a:p>
+            <a:pPr lvl="1"/>
+            <a:r>
+              <a:rPr lang="en-US" dirty="0" smtClean="0"/>
+              <a:t>Angular brackets </a:t>
+            </a:r>
+            <a:r>
+              <a:rPr lang="en-US" dirty="0" err="1" smtClean="0"/>
+              <a:t>shoul</a:t>
+            </a:r>
+            <a:r>
+              <a:rPr lang="en-US" dirty="0" smtClean="0"/>
+              <a:t> go into brackets.</a:t>
+            </a:r>
+          </a:p>
+          <a:p>
+            <a:pPr lvl="1"/>
+            <a:endParaRPr lang="en-US" dirty="0"/>
+          </a:p>
+          <a:p>
+            <a:r>
+              <a:rPr lang="en-US" dirty="0" smtClean="0"/>
+              <a:t>Next section</a:t>
+            </a:r>
+            <a:r>
+              <a:rPr lang="en-US" smtClean="0"/>
+              <a:t>, Publish </a:t>
+            </a:r>
+            <a:r>
+              <a:rPr lang="en-US" dirty="0" smtClean="0"/>
+              <a:t>the end point/ resources in the servlet file.</a:t>
+            </a:r>
+            <a:endParaRPr lang="en-US" dirty="0" smtClean="0"/>
+          </a:p>
+        </p:txBody>
+      </p:sp>
+    </p:spTree>
+    <p:extLst>
+      <p:ext uri="{BB962C8B-B14F-4D97-AF65-F5344CB8AC3E}">
+        <p14:creationId xmlns:p14="http://schemas.microsoft.com/office/powerpoint/2010/main" val="2037309724"/>
+      </p:ext>
+    </p:extLst>
+  </p:cSld>
+  <p:clrMapOvr>
+    <a:masterClrMapping/>
+  </p:clrMapOvr>
+</p:sld>
+</file>
+
 <file path=ppt/slides/slide2.xml><?xml version="1.0" encoding="utf-8"?>
 <p:sld xmlns:a="http://schemas.openxmlformats.org/drawingml/2006/main" xmlns:r="http://schemas.openxmlformats.org/officeDocument/2006/relationships" xmlns:p="http://schemas.openxmlformats.org/presentationml/2006/main">
   <p:cSld>
@@ -3837,11 +4782,7 @@
           <a:p>
             <a:r>
               <a:rPr lang="en-US" dirty="0" smtClean="0"/>
-              <a:t>REST </a:t>
-            </a:r>
-            <a:r>
-              <a:rPr lang="en-US" dirty="0" smtClean="0"/>
-              <a:t>Implementation</a:t>
+              <a:t>REST Implementation</a:t>
             </a:r>
             <a:endParaRPr lang="en-US" dirty="0"/>
           </a:p>
@@ -4020,11 +4961,7 @@
           <a:p>
             <a:r>
               <a:rPr lang="en-US" dirty="0" smtClean="0"/>
-              <a:t>REST </a:t>
-            </a:r>
-            <a:r>
-              <a:rPr lang="en-US" dirty="0" smtClean="0"/>
-              <a:t>Implementation</a:t>
+              <a:t>REST Implementation</a:t>
             </a:r>
             <a:endParaRPr lang="en-US" dirty="0"/>
           </a:p>
@@ -4936,11 +5873,7 @@
           <a:p>
             <a:r>
               <a:rPr lang="en-US" dirty="0" smtClean="0"/>
-              <a:t>REST </a:t>
-            </a:r>
-            <a:r>
-              <a:rPr lang="en-US" dirty="0" smtClean="0"/>
-              <a:t>Implementation</a:t>
+              <a:t>REST Implementation</a:t>
             </a:r>
             <a:endParaRPr lang="en-US" dirty="0"/>
           </a:p>
@@ -5137,11 +6070,7 @@
           <a:p>
             <a:r>
               <a:rPr lang="en-US" dirty="0" smtClean="0"/>
-              <a:t>REST </a:t>
-            </a:r>
-            <a:r>
-              <a:rPr lang="en-US" dirty="0" smtClean="0"/>
-              <a:t>Implementation</a:t>
+              <a:t>REST Implementation</a:t>
             </a:r>
             <a:endParaRPr lang="en-US" dirty="0"/>
           </a:p>
@@ -5284,11 +6213,7 @@
           <a:p>
             <a:r>
               <a:rPr lang="en-US" dirty="0" smtClean="0"/>
-              <a:t>REST </a:t>
-            </a:r>
-            <a:r>
-              <a:rPr lang="en-US" dirty="0" smtClean="0"/>
-              <a:t>Implementation</a:t>
+              <a:t>REST Implementation</a:t>
             </a:r>
             <a:endParaRPr lang="en-US" dirty="0"/>
           </a:p>
@@ -5580,11 +6505,7 @@
           <a:p>
             <a:r>
               <a:rPr lang="en-US" dirty="0" smtClean="0"/>
-              <a:t>REST </a:t>
-            </a:r>
-            <a:r>
-              <a:rPr lang="en-US" dirty="0" smtClean="0"/>
-              <a:t>Implementation</a:t>
+              <a:t>REST Implementation</a:t>
             </a:r>
             <a:endParaRPr lang="en-US" dirty="0"/>
           </a:p>
